--- a/Poster/NPdiffusionPoster_Rick.pptx
+++ b/Poster/NPdiffusionPoster_Rick.pptx
@@ -303,7 +303,7 @@
             <a:fld id="{7F4B0734-A6DD-4AB2-9AC3-E96A7B3E9E0B}" type="datetimeFigureOut">
               <a:rPr lang="en-US" smtClean="0"/>
               <a:pPr/>
-              <a:t>3/10/2016</a:t>
+              <a:t>3/11/2016</a:t>
             </a:fld>
             <a:endParaRPr lang="en-US"/>
           </a:p>
@@ -468,7 +468,7 @@
             <a:fld id="{7F4B0734-A6DD-4AB2-9AC3-E96A7B3E9E0B}" type="datetimeFigureOut">
               <a:rPr lang="en-US" smtClean="0"/>
               <a:pPr/>
-              <a:t>3/10/2016</a:t>
+              <a:t>3/11/2016</a:t>
             </a:fld>
             <a:endParaRPr lang="en-US"/>
           </a:p>
@@ -643,7 +643,7 @@
             <a:fld id="{7F4B0734-A6DD-4AB2-9AC3-E96A7B3E9E0B}" type="datetimeFigureOut">
               <a:rPr lang="en-US" smtClean="0"/>
               <a:pPr/>
-              <a:t>3/10/2016</a:t>
+              <a:t>3/11/2016</a:t>
             </a:fld>
             <a:endParaRPr lang="en-US"/>
           </a:p>
@@ -808,7 +808,7 @@
             <a:fld id="{7F4B0734-A6DD-4AB2-9AC3-E96A7B3E9E0B}" type="datetimeFigureOut">
               <a:rPr lang="en-US" smtClean="0"/>
               <a:pPr/>
-              <a:t>3/10/2016</a:t>
+              <a:t>3/11/2016</a:t>
             </a:fld>
             <a:endParaRPr lang="en-US"/>
           </a:p>
@@ -1050,7 +1050,7 @@
             <a:fld id="{7F4B0734-A6DD-4AB2-9AC3-E96A7B3E9E0B}" type="datetimeFigureOut">
               <a:rPr lang="en-US" smtClean="0"/>
               <a:pPr/>
-              <a:t>3/10/2016</a:t>
+              <a:t>3/11/2016</a:t>
             </a:fld>
             <a:endParaRPr lang="en-US"/>
           </a:p>
@@ -1332,7 +1332,7 @@
             <a:fld id="{7F4B0734-A6DD-4AB2-9AC3-E96A7B3E9E0B}" type="datetimeFigureOut">
               <a:rPr lang="en-US" smtClean="0"/>
               <a:pPr/>
-              <a:t>3/10/2016</a:t>
+              <a:t>3/11/2016</a:t>
             </a:fld>
             <a:endParaRPr lang="en-US"/>
           </a:p>
@@ -1753,7 +1753,7 @@
             <a:fld id="{7F4B0734-A6DD-4AB2-9AC3-E96A7B3E9E0B}" type="datetimeFigureOut">
               <a:rPr lang="en-US" smtClean="0"/>
               <a:pPr/>
-              <a:t>3/10/2016</a:t>
+              <a:t>3/11/2016</a:t>
             </a:fld>
             <a:endParaRPr lang="en-US"/>
           </a:p>
@@ -1867,7 +1867,7 @@
             <a:fld id="{7F4B0734-A6DD-4AB2-9AC3-E96A7B3E9E0B}" type="datetimeFigureOut">
               <a:rPr lang="en-US" smtClean="0"/>
               <a:pPr/>
-              <a:t>3/10/2016</a:t>
+              <a:t>3/11/2016</a:t>
             </a:fld>
             <a:endParaRPr lang="en-US"/>
           </a:p>
@@ -1959,7 +1959,7 @@
             <a:fld id="{7F4B0734-A6DD-4AB2-9AC3-E96A7B3E9E0B}" type="datetimeFigureOut">
               <a:rPr lang="en-US" smtClean="0"/>
               <a:pPr/>
-              <a:t>3/10/2016</a:t>
+              <a:t>3/11/2016</a:t>
             </a:fld>
             <a:endParaRPr lang="en-US"/>
           </a:p>
@@ -2231,7 +2231,7 @@
             <a:fld id="{7F4B0734-A6DD-4AB2-9AC3-E96A7B3E9E0B}" type="datetimeFigureOut">
               <a:rPr lang="en-US" smtClean="0"/>
               <a:pPr/>
-              <a:t>3/10/2016</a:t>
+              <a:t>3/11/2016</a:t>
             </a:fld>
             <a:endParaRPr lang="en-US"/>
           </a:p>
@@ -2480,7 +2480,7 @@
             <a:fld id="{7F4B0734-A6DD-4AB2-9AC3-E96A7B3E9E0B}" type="datetimeFigureOut">
               <a:rPr lang="en-US" smtClean="0"/>
               <a:pPr/>
-              <a:t>3/10/2016</a:t>
+              <a:t>3/11/2016</a:t>
             </a:fld>
             <a:endParaRPr lang="en-US"/>
           </a:p>
@@ -2688,7 +2688,7 @@
             <a:fld id="{7F4B0734-A6DD-4AB2-9AC3-E96A7B3E9E0B}" type="datetimeFigureOut">
               <a:rPr lang="en-US" smtClean="0"/>
               <a:pPr/>
-              <a:t>3/10/2016</a:t>
+              <a:t>3/11/2016</a:t>
             </a:fld>
             <a:endParaRPr lang="en-US"/>
           </a:p>
@@ -3082,258 +3082,125 @@
           </a:prstGeom>
         </p:spPr>
       </p:pic>
-      <p:sp>
-        <p:nvSpPr>
-          <p:cNvPr id="4" name="Rectangle 3"/>
-          <p:cNvSpPr/>
+      <p:grpSp>
+        <p:nvGrpSpPr>
+          <p:cNvPr id="30" name="Group 29"/>
+          <p:cNvGrpSpPr/>
           <p:nvPr/>
-        </p:nvSpPr>
-        <p:spPr>
+        </p:nvGrpSpPr>
+        <p:grpSpPr>
           <a:xfrm>
-            <a:off x="885825" y="819150"/>
-            <a:ext cx="28908375" cy="4743450"/>
+            <a:off x="29369497" y="372702"/>
+            <a:ext cx="6511159" cy="4875138"/>
+            <a:chOff x="29922946" y="420828"/>
+            <a:chExt cx="6511159" cy="4875138"/>
           </a:xfrm>
-          <a:prstGeom prst="rect">
-            <a:avLst/>
-          </a:prstGeom>
-          <a:blipFill dpi="0" rotWithShape="1">
-            <a:blip r:embed="rId3" cstate="print"/>
-            <a:srcRect/>
-            <a:tile tx="0" ty="0" sx="100000" sy="100000" flip="none" algn="tl"/>
-          </a:blipFill>
-          <a:ln w="25400">
-            <a:solidFill>
-              <a:srgbClr val="FFD800"/>
-            </a:solidFill>
-          </a:ln>
-        </p:spPr>
-        <p:style>
-          <a:lnRef idx="2">
-            <a:schemeClr val="accent1">
-              <a:shade val="50000"/>
-            </a:schemeClr>
-          </a:lnRef>
-          <a:fillRef idx="1">
-            <a:schemeClr val="accent1"/>
-          </a:fillRef>
-          <a:effectRef idx="0">
-            <a:schemeClr val="accent1"/>
-          </a:effectRef>
-          <a:fontRef idx="minor">
-            <a:schemeClr val="lt1"/>
-          </a:fontRef>
-        </p:style>
-        <p:txBody>
-          <a:bodyPr anchor="ctr"/>
-          <a:lstStyle/>
-          <a:p>
-            <a:pPr algn="ctr">
-              <a:defRPr/>
-            </a:pPr>
-            <a:endParaRPr lang="en-US"/>
-          </a:p>
-        </p:txBody>
-      </p:sp>
-      <p:pic>
-        <p:nvPicPr>
-          <p:cNvPr id="5" name="Picture 6" descr="http://faculty.washington.edu/dacb/CHEM_UW_purp.gif"/>
-          <p:cNvPicPr>
-            <a:picLocks noChangeAspect="1" noChangeArrowheads="1"/>
-          </p:cNvPicPr>
-          <p:nvPr/>
-        </p:nvPicPr>
-        <p:blipFill rotWithShape="1">
-          <a:blip r:embed="rId4">
+        </p:grpSpPr>
+        <p:pic>
+          <p:nvPicPr>
+            <p:cNvPr id="5" name="Picture 6" descr="http://faculty.washington.edu/dacb/CHEM_UW_purp.gif"/>
+            <p:cNvPicPr>
+              <a:picLocks noChangeAspect="1" noChangeArrowheads="1"/>
+            </p:cNvPicPr>
+            <p:nvPr/>
+          </p:nvPicPr>
+          <p:blipFill rotWithShape="1">
+            <a:blip r:embed="rId3">
+              <a:extLst>
+                <a:ext uri="{28A0092B-C50C-407E-A947-70E740481C1C}">
+                  <a14:useLocalDpi xmlns:a14="http://schemas.microsoft.com/office/drawing/2010/main" val="0"/>
+                </a:ext>
+              </a:extLst>
+            </a:blip>
+            <a:srcRect r="80213"/>
+            <a:stretch/>
+          </p:blipFill>
+          <p:spPr bwMode="auto">
+            <a:xfrm>
+              <a:off x="31901523" y="420828"/>
+              <a:ext cx="2368963" cy="1715813"/>
+            </a:xfrm>
+            <a:prstGeom prst="rect">
+              <a:avLst/>
+            </a:prstGeom>
+            <a:noFill/>
             <a:extLst>
-              <a:ext uri="{28A0092B-C50C-407E-A947-70E740481C1C}">
-                <a14:useLocalDpi xmlns:a14="http://schemas.microsoft.com/office/drawing/2010/main" val="0"/>
+              <a:ext uri="{909E8E84-426E-40DD-AFC4-6F175D3DCCD1}">
+                <a14:hiddenFill xmlns:a14="http://schemas.microsoft.com/office/drawing/2010/main">
+                  <a:solidFill>
+                    <a:srgbClr val="FFFFFF"/>
+                  </a:solidFill>
+                </a14:hiddenFill>
               </a:ext>
             </a:extLst>
-          </a:blip>
-          <a:srcRect r="80213"/>
-          <a:stretch/>
-        </p:blipFill>
-        <p:spPr bwMode="auto">
-          <a:xfrm>
-            <a:off x="31901523" y="853965"/>
-            <a:ext cx="2368963" cy="1715813"/>
-          </a:xfrm>
-          <a:prstGeom prst="rect">
-            <a:avLst/>
-          </a:prstGeom>
-          <a:noFill/>
-          <a:extLst>
-            <a:ext uri="{909E8E84-426E-40DD-AFC4-6F175D3DCCD1}">
-              <a14:hiddenFill xmlns:a14="http://schemas.microsoft.com/office/drawing/2010/main">
-                <a:solidFill>
-                  <a:srgbClr val="FFFFFF"/>
-                </a:solidFill>
-              </a14:hiddenFill>
-            </a:ext>
-          </a:extLst>
-        </p:spPr>
-      </p:pic>
-      <p:pic>
-        <p:nvPicPr>
-          <p:cNvPr id="6" name="Picture 6" descr="http://faculty.washington.edu/dacb/CHEM_UW_purp.gif"/>
-          <p:cNvPicPr>
-            <a:picLocks noChangeAspect="1" noChangeArrowheads="1"/>
-          </p:cNvPicPr>
-          <p:nvPr/>
-        </p:nvPicPr>
-        <p:blipFill rotWithShape="1">
-          <a:blip r:embed="rId4">
+          </p:spPr>
+        </p:pic>
+        <p:pic>
+          <p:nvPicPr>
+            <p:cNvPr id="6" name="Picture 6" descr="http://faculty.washington.edu/dacb/CHEM_UW_purp.gif"/>
+            <p:cNvPicPr>
+              <a:picLocks noChangeAspect="1" noChangeArrowheads="1"/>
+            </p:cNvPicPr>
+            <p:nvPr/>
+          </p:nvPicPr>
+          <p:blipFill rotWithShape="1">
+            <a:blip r:embed="rId3">
+              <a:extLst>
+                <a:ext uri="{28A0092B-C50C-407E-A947-70E740481C1C}">
+                  <a14:useLocalDpi xmlns:a14="http://schemas.microsoft.com/office/drawing/2010/main" val="0"/>
+                </a:ext>
+              </a:extLst>
+            </a:blip>
+            <a:srcRect l="23995"/>
+            <a:stretch/>
+          </p:blipFill>
+          <p:spPr bwMode="auto">
+            <a:xfrm>
+              <a:off x="30000884" y="2680139"/>
+              <a:ext cx="6326738" cy="1120402"/>
+            </a:xfrm>
+            <a:prstGeom prst="rect">
+              <a:avLst/>
+            </a:prstGeom>
+            <a:noFill/>
             <a:extLst>
-              <a:ext uri="{28A0092B-C50C-407E-A947-70E740481C1C}">
-                <a14:useLocalDpi xmlns:a14="http://schemas.microsoft.com/office/drawing/2010/main" val="0"/>
+              <a:ext uri="{909E8E84-426E-40DD-AFC4-6F175D3DCCD1}">
+                <a14:hiddenFill xmlns:a14="http://schemas.microsoft.com/office/drawing/2010/main">
+                  <a:solidFill>
+                    <a:srgbClr val="FFFFFF"/>
+                  </a:solidFill>
+                </a14:hiddenFill>
               </a:ext>
             </a:extLst>
-          </a:blip>
-          <a:srcRect l="23995"/>
-          <a:stretch/>
-        </p:blipFill>
-        <p:spPr bwMode="auto">
-          <a:xfrm>
-            <a:off x="30000884" y="2680139"/>
-            <a:ext cx="6326738" cy="1120402"/>
-          </a:xfrm>
-          <a:prstGeom prst="rect">
-            <a:avLst/>
-          </a:prstGeom>
-          <a:noFill/>
-          <a:extLst>
-            <a:ext uri="{909E8E84-426E-40DD-AFC4-6F175D3DCCD1}">
-              <a14:hiddenFill xmlns:a14="http://schemas.microsoft.com/office/drawing/2010/main">
-                <a:solidFill>
-                  <a:srgbClr val="FFFFFF"/>
-                </a:solidFill>
-              </a14:hiddenFill>
-            </a:ext>
-          </a:extLst>
-        </p:spPr>
-      </p:pic>
-      <p:pic>
-        <p:nvPicPr>
-          <p:cNvPr id="11266" name="Picture 2" descr="logo-eScience.png"/>
-          <p:cNvPicPr>
-            <a:picLocks noChangeAspect="1" noChangeArrowheads="1"/>
-          </p:cNvPicPr>
-          <p:nvPr/>
-        </p:nvPicPr>
-        <p:blipFill>
-          <a:blip r:embed="rId5"/>
-          <a:srcRect/>
-          <a:stretch>
-            <a:fillRect/>
-          </a:stretch>
-        </p:blipFill>
-        <p:spPr bwMode="auto">
-          <a:xfrm>
-            <a:off x="29922946" y="3965294"/>
-            <a:ext cx="6511159" cy="1571304"/>
-          </a:xfrm>
-          <a:prstGeom prst="rect">
-            <a:avLst/>
-          </a:prstGeom>
-          <a:noFill/>
-        </p:spPr>
-      </p:pic>
-      <p:sp>
-        <p:nvSpPr>
-          <p:cNvPr id="8" name="TextBox 9"/>
-          <p:cNvSpPr txBox="1">
-            <a:spLocks noChangeArrowheads="1"/>
-          </p:cNvSpPr>
-          <p:nvPr/>
-        </p:nvSpPr>
-        <p:spPr bwMode="auto">
-          <a:xfrm>
-            <a:off x="1308101" y="1361465"/>
-            <a:ext cx="28486099" cy="1169551"/>
-          </a:xfrm>
-          <a:prstGeom prst="rect">
-            <a:avLst/>
-          </a:prstGeom>
-          <a:noFill/>
-          <a:ln w="9525">
+          </p:spPr>
+        </p:pic>
+        <p:pic>
+          <p:nvPicPr>
+            <p:cNvPr id="11266" name="Picture 2" descr="logo-eScience.png"/>
+            <p:cNvPicPr>
+              <a:picLocks noChangeAspect="1" noChangeArrowheads="1"/>
+            </p:cNvPicPr>
+            <p:nvPr/>
+          </p:nvPicPr>
+          <p:blipFill>
+            <a:blip r:embed="rId4"/>
+            <a:srcRect/>
+            <a:stretch>
+              <a:fillRect/>
+            </a:stretch>
+          </p:blipFill>
+          <p:spPr bwMode="auto">
+            <a:xfrm>
+              <a:off x="29922946" y="3724662"/>
+              <a:ext cx="6511159" cy="1571304"/>
+            </a:xfrm>
+            <a:prstGeom prst="rect">
+              <a:avLst/>
+            </a:prstGeom>
             <a:noFill/>
-            <a:miter lim="800000"/>
-            <a:headEnd/>
-            <a:tailEnd/>
-          </a:ln>
-        </p:spPr>
-        <p:txBody>
-          <a:bodyPr wrap="square">
-            <a:spAutoFit/>
-          </a:bodyPr>
-          <a:lstStyle/>
-          <a:p>
-            <a:r>
-              <a:rPr lang="en-US" sz="7000" b="1" dirty="0">
-                <a:solidFill>
-                  <a:srgbClr val="FFD800"/>
-                </a:solidFill>
-                <a:latin typeface="Arial" charset="0"/>
-                <a:ea typeface="Arial" charset="0"/>
-                <a:cs typeface="Arial" charset="0"/>
-              </a:rPr>
-              <a:t>Graphically exploring diffusion of brain-penetrating nanoparticles</a:t>
-            </a:r>
-          </a:p>
-        </p:txBody>
-      </p:sp>
-      <p:sp>
-        <p:nvSpPr>
-          <p:cNvPr id="9" name="TextBox 104"/>
-          <p:cNvSpPr txBox="1">
-            <a:spLocks noChangeArrowheads="1"/>
-          </p:cNvSpPr>
-          <p:nvPr/>
-        </p:nvSpPr>
-        <p:spPr bwMode="auto">
-          <a:xfrm>
-            <a:off x="1382713" y="4664240"/>
-            <a:ext cx="26346999" cy="584775"/>
-          </a:xfrm>
-          <a:prstGeom prst="rect">
-            <a:avLst/>
-          </a:prstGeom>
-          <a:noFill/>
-          <a:ln w="9525">
-            <a:noFill/>
-            <a:miter lim="800000"/>
-            <a:headEnd/>
-            <a:tailEnd/>
-          </a:ln>
-        </p:spPr>
-        <p:txBody>
-          <a:bodyPr wrap="square">
-            <a:spAutoFit/>
-          </a:bodyPr>
-          <a:lstStyle/>
-          <a:p>
-            <a:r>
-              <a:rPr lang="en-US" sz="3200" b="1" dirty="0">
-                <a:solidFill>
-                  <a:schemeClr val="bg1"/>
-                </a:solidFill>
-                <a:latin typeface="Arial" charset="0"/>
-                <a:ea typeface="Arial" charset="0"/>
-                <a:cs typeface="Arial" charset="0"/>
-              </a:rPr>
-              <a:t>Chad Curtis,* Rick Liao,* Ian Faulkner,* and Elizabeth Nance</a:t>
-            </a:r>
-            <a:endParaRPr lang="en-US" sz="3200" dirty="0">
-              <a:solidFill>
-                <a:schemeClr val="bg1"/>
-              </a:solidFill>
-              <a:latin typeface="Arial" charset="0"/>
-              <a:ea typeface="Arial" charset="0"/>
-              <a:cs typeface="Arial" charset="0"/>
-            </a:endParaRPr>
-          </a:p>
-        </p:txBody>
-      </p:sp>
+          </p:spPr>
+        </p:pic>
+      </p:grpSp>
       <p:sp>
         <p:nvSpPr>
           <p:cNvPr id="12" name="TextBox 130"/>
@@ -3344,7 +3211,7 @@
         </p:nvSpPr>
         <p:spPr bwMode="auto">
           <a:xfrm>
-            <a:off x="24469155" y="10220159"/>
+            <a:off x="24469155" y="10099844"/>
             <a:ext cx="11874795" cy="707886"/>
           </a:xfrm>
           <a:prstGeom prst="rect">
@@ -3399,7 +3266,7 @@
         </p:nvSpPr>
         <p:spPr bwMode="auto">
           <a:xfrm>
-            <a:off x="12370034" y="10216664"/>
+            <a:off x="12370034" y="10096349"/>
             <a:ext cx="11874795" cy="707886"/>
           </a:xfrm>
           <a:prstGeom prst="rect">
@@ -3474,8 +3341,8 @@
         </p:nvSpPr>
         <p:spPr bwMode="auto">
           <a:xfrm>
-            <a:off x="12453088" y="5724651"/>
-            <a:ext cx="23874530" cy="716404"/>
+            <a:off x="12366226" y="5440478"/>
+            <a:ext cx="23961392" cy="707886"/>
           </a:xfrm>
           <a:prstGeom prst="rect">
             <a:avLst/>
@@ -3519,50 +3386,213 @@
           </a:p>
         </p:txBody>
       </p:sp>
-      <p:sp>
-        <p:nvSpPr>
-          <p:cNvPr id="15" name="TextBox 9"/>
-          <p:cNvSpPr txBox="1">
-            <a:spLocks noChangeArrowheads="1"/>
-          </p:cNvSpPr>
+      <p:grpSp>
+        <p:nvGrpSpPr>
+          <p:cNvPr id="29" name="Group 28"/>
+          <p:cNvGrpSpPr/>
           <p:nvPr/>
-        </p:nvSpPr>
-        <p:spPr bwMode="auto">
+        </p:nvGrpSpPr>
+        <p:grpSpPr>
           <a:xfrm>
-            <a:off x="1308101" y="2758465"/>
-            <a:ext cx="28486099" cy="1754326"/>
+            <a:off x="260187" y="337888"/>
+            <a:ext cx="28908375" cy="4743450"/>
+            <a:chOff x="885825" y="819150"/>
+            <a:chExt cx="28908375" cy="4743450"/>
           </a:xfrm>
-          <a:prstGeom prst="rect">
-            <a:avLst/>
-          </a:prstGeom>
-          <a:noFill/>
-          <a:ln w="9525">
+        </p:grpSpPr>
+        <p:sp>
+          <p:nvSpPr>
+            <p:cNvPr id="4" name="Rectangle 3"/>
+            <p:cNvSpPr/>
+            <p:nvPr/>
+          </p:nvSpPr>
+          <p:spPr>
+            <a:xfrm>
+              <a:off x="885825" y="819150"/>
+              <a:ext cx="28908375" cy="4743450"/>
+            </a:xfrm>
+            <a:prstGeom prst="rect">
+              <a:avLst/>
+            </a:prstGeom>
+            <a:blipFill dpi="0" rotWithShape="1">
+              <a:blip r:embed="rId5" cstate="print"/>
+              <a:srcRect/>
+              <a:tile tx="0" ty="0" sx="100000" sy="100000" flip="none" algn="tl"/>
+            </a:blipFill>
+            <a:ln w="25400">
+              <a:solidFill>
+                <a:srgbClr val="FFD800"/>
+              </a:solidFill>
+            </a:ln>
+          </p:spPr>
+          <p:style>
+            <a:lnRef idx="2">
+              <a:schemeClr val="accent1">
+                <a:shade val="50000"/>
+              </a:schemeClr>
+            </a:lnRef>
+            <a:fillRef idx="1">
+              <a:schemeClr val="accent1"/>
+            </a:fillRef>
+            <a:effectRef idx="0">
+              <a:schemeClr val="accent1"/>
+            </a:effectRef>
+            <a:fontRef idx="minor">
+              <a:schemeClr val="lt1"/>
+            </a:fontRef>
+          </p:style>
+          <p:txBody>
+            <a:bodyPr anchor="ctr"/>
+            <a:lstStyle/>
+            <a:p>
+              <a:pPr algn="ctr">
+                <a:defRPr/>
+              </a:pPr>
+              <a:endParaRPr lang="en-US"/>
+            </a:p>
+          </p:txBody>
+        </p:sp>
+        <p:sp>
+          <p:nvSpPr>
+            <p:cNvPr id="8" name="TextBox 9"/>
+            <p:cNvSpPr txBox="1">
+              <a:spLocks noChangeArrowheads="1"/>
+            </p:cNvSpPr>
+            <p:nvPr/>
+          </p:nvSpPr>
+          <p:spPr bwMode="auto">
+            <a:xfrm>
+              <a:off x="1308101" y="1361465"/>
+              <a:ext cx="28486099" cy="1169551"/>
+            </a:xfrm>
+            <a:prstGeom prst="rect">
+              <a:avLst/>
+            </a:prstGeom>
             <a:noFill/>
-            <a:miter lim="800000"/>
-            <a:headEnd/>
-            <a:tailEnd/>
-          </a:ln>
-        </p:spPr>
-        <p:txBody>
-          <a:bodyPr wrap="square">
-            <a:spAutoFit/>
-          </a:bodyPr>
-          <a:lstStyle/>
-          <a:p>
-            <a:r>
-              <a:rPr lang="en-US" sz="5400" b="1" dirty="0">
+            <a:ln w="9525">
+              <a:noFill/>
+              <a:miter lim="800000"/>
+              <a:headEnd/>
+              <a:tailEnd/>
+            </a:ln>
+          </p:spPr>
+          <p:txBody>
+            <a:bodyPr wrap="square">
+              <a:spAutoFit/>
+            </a:bodyPr>
+            <a:lstStyle/>
+            <a:p>
+              <a:r>
+                <a:rPr lang="en-US" sz="7000" b="1" dirty="0">
+                  <a:solidFill>
+                    <a:srgbClr val="FFD800"/>
+                  </a:solidFill>
+                  <a:latin typeface="Arial" charset="0"/>
+                  <a:ea typeface="Arial" charset="0"/>
+                  <a:cs typeface="Arial" charset="0"/>
+                </a:rPr>
+                <a:t>Graphically exploring diffusion of brain-penetrating nanoparticles</a:t>
+              </a:r>
+            </a:p>
+          </p:txBody>
+        </p:sp>
+        <p:sp>
+          <p:nvSpPr>
+            <p:cNvPr id="9" name="TextBox 104"/>
+            <p:cNvSpPr txBox="1">
+              <a:spLocks noChangeArrowheads="1"/>
+            </p:cNvSpPr>
+            <p:nvPr/>
+          </p:nvSpPr>
+          <p:spPr bwMode="auto">
+            <a:xfrm>
+              <a:off x="1382713" y="4664240"/>
+              <a:ext cx="26346999" cy="584775"/>
+            </a:xfrm>
+            <a:prstGeom prst="rect">
+              <a:avLst/>
+            </a:prstGeom>
+            <a:noFill/>
+            <a:ln w="9525">
+              <a:noFill/>
+              <a:miter lim="800000"/>
+              <a:headEnd/>
+              <a:tailEnd/>
+            </a:ln>
+          </p:spPr>
+          <p:txBody>
+            <a:bodyPr wrap="square">
+              <a:spAutoFit/>
+            </a:bodyPr>
+            <a:lstStyle/>
+            <a:p>
+              <a:r>
+                <a:rPr lang="en-US" sz="3200" b="1" dirty="0">
+                  <a:solidFill>
+                    <a:schemeClr val="bg1"/>
+                  </a:solidFill>
+                  <a:latin typeface="Arial" charset="0"/>
+                  <a:ea typeface="Arial" charset="0"/>
+                  <a:cs typeface="Arial" charset="0"/>
+                </a:rPr>
+                <a:t>Chad Curtis,* Rick Liao,* Ian Faulkner,* and Elizabeth Nance</a:t>
+              </a:r>
+              <a:endParaRPr lang="en-US" sz="3200" dirty="0">
                 <a:solidFill>
                   <a:schemeClr val="bg1"/>
                 </a:solidFill>
                 <a:latin typeface="Arial" charset="0"/>
                 <a:ea typeface="Arial" charset="0"/>
                 <a:cs typeface="Arial" charset="0"/>
-              </a:rPr>
-              <a:t>Effects of timescale and particle chemistry on effective diffusion coefficient and particle trajectories</a:t>
-            </a:r>
-          </a:p>
-        </p:txBody>
-      </p:sp>
+              </a:endParaRPr>
+            </a:p>
+          </p:txBody>
+        </p:sp>
+        <p:sp>
+          <p:nvSpPr>
+            <p:cNvPr id="15" name="TextBox 9"/>
+            <p:cNvSpPr txBox="1">
+              <a:spLocks noChangeArrowheads="1"/>
+            </p:cNvSpPr>
+            <p:nvPr/>
+          </p:nvSpPr>
+          <p:spPr bwMode="auto">
+            <a:xfrm>
+              <a:off x="1308101" y="2758465"/>
+              <a:ext cx="28486099" cy="1754326"/>
+            </a:xfrm>
+            <a:prstGeom prst="rect">
+              <a:avLst/>
+            </a:prstGeom>
+            <a:noFill/>
+            <a:ln w="9525">
+              <a:noFill/>
+              <a:miter lim="800000"/>
+              <a:headEnd/>
+              <a:tailEnd/>
+            </a:ln>
+          </p:spPr>
+          <p:txBody>
+            <a:bodyPr wrap="square">
+              <a:spAutoFit/>
+            </a:bodyPr>
+            <a:lstStyle/>
+            <a:p>
+              <a:r>
+                <a:rPr lang="en-US" sz="5400" b="1" dirty="0">
+                  <a:solidFill>
+                    <a:schemeClr val="bg1"/>
+                  </a:solidFill>
+                  <a:latin typeface="Arial" charset="0"/>
+                  <a:ea typeface="Arial" charset="0"/>
+                  <a:cs typeface="Arial" charset="0"/>
+                </a:rPr>
+                <a:t>Effects of timescale and particle chemistry on effective diffusion coefficient and particle trajectories</a:t>
+              </a:r>
+            </a:p>
+          </p:txBody>
+        </p:sp>
+      </p:grpSp>
       <p:sp>
         <p:nvSpPr>
           <p:cNvPr id="16" name="TextBox 104"/>
@@ -3700,7 +3730,7 @@
         </p:nvSpPr>
         <p:spPr>
           <a:xfrm>
-            <a:off x="24469153" y="21024273"/>
+            <a:off x="24469151" y="20994644"/>
             <a:ext cx="11858467" cy="584775"/>
           </a:xfrm>
           <a:prstGeom prst="rect">
@@ -3906,7 +3936,7 @@
         </p:nvSpPr>
         <p:spPr>
           <a:xfrm>
-            <a:off x="368304" y="6603985"/>
+            <a:off x="368304" y="6339292"/>
             <a:ext cx="11791449" cy="3539430"/>
           </a:xfrm>
           <a:prstGeom prst="rect">
@@ -3972,7 +4002,7 @@
         </p:nvSpPr>
         <p:spPr bwMode="auto">
           <a:xfrm>
-            <a:off x="270913" y="10238245"/>
+            <a:off x="270913" y="10117930"/>
             <a:ext cx="11874795" cy="707886"/>
           </a:xfrm>
           <a:prstGeom prst="rect">
@@ -4047,8 +4077,8 @@
           </a:p>
         </p:txBody>
       </p:sp>
-      <mc:AlternateContent xmlns:mc="http://schemas.openxmlformats.org/markup-compatibility/2006">
-        <mc:Choice xmlns:a14="http://schemas.microsoft.com/office/drawing/2010/main" Requires="a14">
+      <mc:AlternateContent xmlns:mc="http://schemas.openxmlformats.org/markup-compatibility/2006" xmlns:a14="http://schemas.microsoft.com/office/drawing/2010/main">
+        <mc:Choice Requires="a14">
           <p:sp>
             <p:nvSpPr>
               <p:cNvPr id="25" name="TextBox 24"/>
@@ -4283,7 +4313,7 @@
             </p:txBody>
           </p:sp>
         </mc:Choice>
-        <mc:Fallback>
+        <mc:Fallback xmlns="">
           <p:sp>
             <p:nvSpPr>
               <p:cNvPr id="25" name="TextBox 24"/>
@@ -4556,7 +4586,7 @@
         </p:blipFill>
         <p:spPr>
           <a:xfrm>
-            <a:off x="547033" y="21395050"/>
+            <a:off x="547033" y="21539428"/>
             <a:ext cx="9904947" cy="254439"/>
           </a:xfrm>
           <a:prstGeom prst="rect">
@@ -4622,7 +4652,7 @@
         </p:blipFill>
         <p:spPr>
           <a:xfrm>
-            <a:off x="17488468" y="14999576"/>
+            <a:off x="17440342" y="14879261"/>
             <a:ext cx="6417152" cy="6558798"/>
           </a:xfrm>
           <a:prstGeom prst="rect">
@@ -4726,7 +4756,7 @@
         </p:nvSpPr>
         <p:spPr>
           <a:xfrm>
-            <a:off x="12453088" y="6617787"/>
+            <a:off x="12453088" y="6353094"/>
             <a:ext cx="23724706" cy="3539430"/>
           </a:xfrm>
           <a:prstGeom prst="rect">
@@ -4754,11 +4784,7 @@
             </a:r>
             <a:r>
               <a:rPr lang="en-US" sz="3200" dirty="0" smtClean="0"/>
-              <a:t>trials. </a:t>
-            </a:r>
-            <a:r>
-              <a:rPr lang="en-US" sz="3200" dirty="0" smtClean="0"/>
-              <a:t>There is great opportunity to bring </a:t>
+              <a:t>trials. There is great opportunity to bring </a:t>
             </a:r>
             <a:r>
               <a:rPr lang="en-US" sz="3200" dirty="0" err="1" smtClean="0"/>
@@ -4782,7 +4808,7 @@
         </p:nvSpPr>
         <p:spPr bwMode="auto">
           <a:xfrm>
-            <a:off x="270913" y="5724651"/>
+            <a:off x="270913" y="5435895"/>
             <a:ext cx="11874795" cy="707886"/>
           </a:xfrm>
           <a:prstGeom prst="rect">

--- a/Poster/NPdiffusionPoster_Rick.pptx
+++ b/Poster/NPdiffusionPoster_Rick.pptx
@@ -303,7 +303,7 @@
             <a:fld id="{7F4B0734-A6DD-4AB2-9AC3-E96A7B3E9E0B}" type="datetimeFigureOut">
               <a:rPr lang="en-US" smtClean="0"/>
               <a:pPr/>
-              <a:t>3/11/2016</a:t>
+              <a:t>3/11/16</a:t>
             </a:fld>
             <a:endParaRPr lang="en-US"/>
           </a:p>
@@ -468,7 +468,7 @@
             <a:fld id="{7F4B0734-A6DD-4AB2-9AC3-E96A7B3E9E0B}" type="datetimeFigureOut">
               <a:rPr lang="en-US" smtClean="0"/>
               <a:pPr/>
-              <a:t>3/11/2016</a:t>
+              <a:t>3/11/16</a:t>
             </a:fld>
             <a:endParaRPr lang="en-US"/>
           </a:p>
@@ -643,7 +643,7 @@
             <a:fld id="{7F4B0734-A6DD-4AB2-9AC3-E96A7B3E9E0B}" type="datetimeFigureOut">
               <a:rPr lang="en-US" smtClean="0"/>
               <a:pPr/>
-              <a:t>3/11/2016</a:t>
+              <a:t>3/11/16</a:t>
             </a:fld>
             <a:endParaRPr lang="en-US"/>
           </a:p>
@@ -808,7 +808,7 @@
             <a:fld id="{7F4B0734-A6DD-4AB2-9AC3-E96A7B3E9E0B}" type="datetimeFigureOut">
               <a:rPr lang="en-US" smtClean="0"/>
               <a:pPr/>
-              <a:t>3/11/2016</a:t>
+              <a:t>3/11/16</a:t>
             </a:fld>
             <a:endParaRPr lang="en-US"/>
           </a:p>
@@ -1050,7 +1050,7 @@
             <a:fld id="{7F4B0734-A6DD-4AB2-9AC3-E96A7B3E9E0B}" type="datetimeFigureOut">
               <a:rPr lang="en-US" smtClean="0"/>
               <a:pPr/>
-              <a:t>3/11/2016</a:t>
+              <a:t>3/11/16</a:t>
             </a:fld>
             <a:endParaRPr lang="en-US"/>
           </a:p>
@@ -1332,7 +1332,7 @@
             <a:fld id="{7F4B0734-A6DD-4AB2-9AC3-E96A7B3E9E0B}" type="datetimeFigureOut">
               <a:rPr lang="en-US" smtClean="0"/>
               <a:pPr/>
-              <a:t>3/11/2016</a:t>
+              <a:t>3/11/16</a:t>
             </a:fld>
             <a:endParaRPr lang="en-US"/>
           </a:p>
@@ -1753,7 +1753,7 @@
             <a:fld id="{7F4B0734-A6DD-4AB2-9AC3-E96A7B3E9E0B}" type="datetimeFigureOut">
               <a:rPr lang="en-US" smtClean="0"/>
               <a:pPr/>
-              <a:t>3/11/2016</a:t>
+              <a:t>3/11/16</a:t>
             </a:fld>
             <a:endParaRPr lang="en-US"/>
           </a:p>
@@ -1867,7 +1867,7 @@
             <a:fld id="{7F4B0734-A6DD-4AB2-9AC3-E96A7B3E9E0B}" type="datetimeFigureOut">
               <a:rPr lang="en-US" smtClean="0"/>
               <a:pPr/>
-              <a:t>3/11/2016</a:t>
+              <a:t>3/11/16</a:t>
             </a:fld>
             <a:endParaRPr lang="en-US"/>
           </a:p>
@@ -1959,7 +1959,7 @@
             <a:fld id="{7F4B0734-A6DD-4AB2-9AC3-E96A7B3E9E0B}" type="datetimeFigureOut">
               <a:rPr lang="en-US" smtClean="0"/>
               <a:pPr/>
-              <a:t>3/11/2016</a:t>
+              <a:t>3/11/16</a:t>
             </a:fld>
             <a:endParaRPr lang="en-US"/>
           </a:p>
@@ -2231,7 +2231,7 @@
             <a:fld id="{7F4B0734-A6DD-4AB2-9AC3-E96A7B3E9E0B}" type="datetimeFigureOut">
               <a:rPr lang="en-US" smtClean="0"/>
               <a:pPr/>
-              <a:t>3/11/2016</a:t>
+              <a:t>3/11/16</a:t>
             </a:fld>
             <a:endParaRPr lang="en-US"/>
           </a:p>
@@ -2480,7 +2480,7 @@
             <a:fld id="{7F4B0734-A6DD-4AB2-9AC3-E96A7B3E9E0B}" type="datetimeFigureOut">
               <a:rPr lang="en-US" smtClean="0"/>
               <a:pPr/>
-              <a:t>3/11/2016</a:t>
+              <a:t>3/11/16</a:t>
             </a:fld>
             <a:endParaRPr lang="en-US"/>
           </a:p>
@@ -2688,7 +2688,7 @@
             <a:fld id="{7F4B0734-A6DD-4AB2-9AC3-E96A7B3E9E0B}" type="datetimeFigureOut">
               <a:rPr lang="en-US" smtClean="0"/>
               <a:pPr/>
-              <a:t>3/11/2016</a:t>
+              <a:t>3/11/16</a:t>
             </a:fld>
             <a:endParaRPr lang="en-US"/>
           </a:p>
@@ -4002,7 +4002,7 @@
         </p:nvSpPr>
         <p:spPr bwMode="auto">
           <a:xfrm>
-            <a:off x="270913" y="10117930"/>
+            <a:off x="270913" y="10098880"/>
             <a:ext cx="11874795" cy="707886"/>
           </a:xfrm>
           <a:prstGeom prst="rect">
@@ -4161,7 +4161,7 @@
                         <m:sSubPr>
                           <m:ctrlPr>
                             <a:rPr lang="en-US" sz="3200" b="0" i="1" smtClean="0">
-                              <a:latin typeface="Cambria Math" panose="02040503050406030204" pitchFamily="18" charset="0"/>
+                              <a:latin typeface="Cambria Math" charset="0"/>
                             </a:rPr>
                           </m:ctrlPr>
                         </m:sSubPr>
@@ -4192,7 +4192,7 @@
                         <m:fPr>
                           <m:ctrlPr>
                             <a:rPr lang="bg-BG" sz="3200" b="0" i="1" smtClean="0">
-                              <a:latin typeface="Cambria Math" panose="02040503050406030204" pitchFamily="18" charset="0"/>
+                              <a:latin typeface="Cambria Math" charset="0"/>
                             </a:rPr>
                           </m:ctrlPr>
                         </m:fPr>
@@ -4215,7 +4215,7 @@
                             <m:sSupPr>
                               <m:ctrlPr>
                                 <a:rPr lang="en-US" sz="3200" b="0" i="1" smtClean="0">
-                                  <a:latin typeface="Cambria Math" panose="02040503050406030204" pitchFamily="18" charset="0"/>
+                                  <a:latin typeface="Cambria Math" charset="0"/>
                                   <a:ea typeface="Cambria Math" charset="0"/>
                                   <a:cs typeface="Cambria Math" charset="0"/>
                                 </a:rPr>
@@ -4360,10 +4360,10 @@
         </p:nvGrpSpPr>
         <p:grpSpPr>
           <a:xfrm>
-            <a:off x="8300525" y="11192764"/>
-            <a:ext cx="3845183" cy="10057958"/>
-            <a:chOff x="8300525" y="11192764"/>
-            <a:chExt cx="3845183" cy="10057958"/>
+            <a:off x="8303342" y="11192764"/>
+            <a:ext cx="3842366" cy="10057958"/>
+            <a:chOff x="8303342" y="11192764"/>
+            <a:chExt cx="3842366" cy="10057958"/>
           </a:xfrm>
         </p:grpSpPr>
         <p:pic>
@@ -4400,7 +4400,7 @@
           </p:nvSpPr>
           <p:spPr bwMode="auto">
             <a:xfrm>
-              <a:off x="8300525" y="11283450"/>
+              <a:off x="8325239" y="11239686"/>
               <a:ext cx="2583788" cy="400110"/>
             </a:xfrm>
             <a:prstGeom prst="rect">
@@ -4468,7 +4468,7 @@
         </p:nvSpPr>
         <p:spPr>
           <a:xfrm>
-            <a:off x="487502" y="25108281"/>
+            <a:off x="388646" y="25132995"/>
             <a:ext cx="2499996" cy="3139321"/>
           </a:xfrm>
           <a:prstGeom prst="rect">
@@ -4477,7 +4477,7 @@
           <a:noFill/>
           <a:ln w="19050">
             <a:solidFill>
-              <a:schemeClr val="tx2"/>
+              <a:schemeClr val="tx1"/>
             </a:solidFill>
           </a:ln>
         </p:spPr>
@@ -4488,83 +4488,43 @@
           <a:lstStyle/>
           <a:p>
             <a:r>
-              <a:rPr lang="en-US" sz="2200" dirty="0" smtClean="0">
-                <a:solidFill>
-                  <a:schemeClr val="tx2"/>
-                </a:solidFill>
-              </a:rPr>
+              <a:rPr lang="en-US" sz="2200" dirty="0" smtClean="0"/>
               <a:t>The output plots show populations of calculated </a:t>
             </a:r>
             <a:r>
-              <a:rPr lang="en-US" sz="2200" dirty="0" err="1" smtClean="0">
-                <a:solidFill>
-                  <a:schemeClr val="tx2"/>
-                </a:solidFill>
-              </a:rPr>
+              <a:rPr lang="en-US" sz="2200" dirty="0" err="1" smtClean="0"/>
               <a:t>D</a:t>
             </a:r>
             <a:r>
-              <a:rPr lang="en-US" sz="2200" baseline="-25000" dirty="0" err="1" smtClean="0">
-                <a:solidFill>
-                  <a:schemeClr val="tx2"/>
-                </a:solidFill>
-              </a:rPr>
+              <a:rPr lang="en-US" sz="2200" baseline="-25000" dirty="0" err="1" smtClean="0"/>
               <a:t>eff</a:t>
             </a:r>
             <a:r>
-              <a:rPr lang="en-US" sz="2200" dirty="0" err="1" smtClean="0">
-                <a:solidFill>
-                  <a:schemeClr val="tx2"/>
-                </a:solidFill>
-              </a:rPr>
+              <a:rPr lang="en-US" sz="2200" dirty="0" err="1" smtClean="0"/>
               <a:t>s</a:t>
             </a:r>
             <a:r>
-              <a:rPr lang="en-US" sz="2200" dirty="0" smtClean="0">
-                <a:solidFill>
-                  <a:schemeClr val="tx2"/>
-                </a:solidFill>
-              </a:rPr>
+              <a:rPr lang="en-US" sz="2200" dirty="0" smtClean="0"/>
               <a:t> and how they compare with other particle chemistries over the input </a:t>
             </a:r>
             <a:r>
-              <a:rPr lang="en-US" sz="2200" dirty="0" err="1" smtClean="0">
-                <a:solidFill>
-                  <a:schemeClr val="tx2"/>
-                </a:solidFill>
-              </a:rPr>
+              <a:rPr lang="en-US" sz="2200" dirty="0" err="1" smtClean="0"/>
               <a:t>timepoints</a:t>
             </a:r>
             <a:r>
-              <a:rPr lang="en-US" sz="2200" dirty="0" smtClean="0">
-                <a:solidFill>
-                  <a:schemeClr val="tx2"/>
-                </a:solidFill>
-              </a:rPr>
+              <a:rPr lang="en-US" sz="2200" dirty="0" smtClean="0"/>
               <a:t> before outputting mean </a:t>
             </a:r>
             <a:r>
-              <a:rPr lang="en-US" sz="2200" dirty="0" err="1" smtClean="0">
-                <a:solidFill>
-                  <a:schemeClr val="tx2"/>
-                </a:solidFill>
-              </a:rPr>
+              <a:rPr lang="en-US" sz="2200" dirty="0" err="1" smtClean="0"/>
               <a:t>D</a:t>
             </a:r>
             <a:r>
-              <a:rPr lang="en-US" sz="2200" baseline="-25000" dirty="0" err="1" smtClean="0">
-                <a:solidFill>
-                  <a:schemeClr val="tx2"/>
-                </a:solidFill>
-              </a:rPr>
+              <a:rPr lang="en-US" sz="2200" baseline="-25000" dirty="0" err="1" smtClean="0"/>
               <a:t>eff</a:t>
             </a:r>
             <a:r>
-              <a:rPr lang="en-US" sz="2200" dirty="0" smtClean="0">
-                <a:solidFill>
-                  <a:schemeClr val="tx2"/>
-                </a:solidFill>
-              </a:rPr>
+              <a:rPr lang="en-US" sz="2200" dirty="0" smtClean="0"/>
               <a:t> values.</a:t>
             </a:r>
           </a:p>
@@ -4586,7 +4546,7 @@
         </p:blipFill>
         <p:spPr>
           <a:xfrm>
-            <a:off x="547033" y="21539428"/>
+            <a:off x="868315" y="21465286"/>
             <a:ext cx="9904947" cy="254439"/>
           </a:xfrm>
           <a:prstGeom prst="rect">

--- a/Poster/NPdiffusionPoster_Rick.pptx
+++ b/Poster/NPdiffusionPoster_Rick.pptx
@@ -303,7 +303,7 @@
             <a:fld id="{7F4B0734-A6DD-4AB2-9AC3-E96A7B3E9E0B}" type="datetimeFigureOut">
               <a:rPr lang="en-US" smtClean="0"/>
               <a:pPr/>
-              <a:t>3/11/16</a:t>
+              <a:t>3/11/2016</a:t>
             </a:fld>
             <a:endParaRPr lang="en-US"/>
           </a:p>
@@ -468,7 +468,7 @@
             <a:fld id="{7F4B0734-A6DD-4AB2-9AC3-E96A7B3E9E0B}" type="datetimeFigureOut">
               <a:rPr lang="en-US" smtClean="0"/>
               <a:pPr/>
-              <a:t>3/11/16</a:t>
+              <a:t>3/11/2016</a:t>
             </a:fld>
             <a:endParaRPr lang="en-US"/>
           </a:p>
@@ -643,7 +643,7 @@
             <a:fld id="{7F4B0734-A6DD-4AB2-9AC3-E96A7B3E9E0B}" type="datetimeFigureOut">
               <a:rPr lang="en-US" smtClean="0"/>
               <a:pPr/>
-              <a:t>3/11/16</a:t>
+              <a:t>3/11/2016</a:t>
             </a:fld>
             <a:endParaRPr lang="en-US"/>
           </a:p>
@@ -808,7 +808,7 @@
             <a:fld id="{7F4B0734-A6DD-4AB2-9AC3-E96A7B3E9E0B}" type="datetimeFigureOut">
               <a:rPr lang="en-US" smtClean="0"/>
               <a:pPr/>
-              <a:t>3/11/16</a:t>
+              <a:t>3/11/2016</a:t>
             </a:fld>
             <a:endParaRPr lang="en-US"/>
           </a:p>
@@ -1050,7 +1050,7 @@
             <a:fld id="{7F4B0734-A6DD-4AB2-9AC3-E96A7B3E9E0B}" type="datetimeFigureOut">
               <a:rPr lang="en-US" smtClean="0"/>
               <a:pPr/>
-              <a:t>3/11/16</a:t>
+              <a:t>3/11/2016</a:t>
             </a:fld>
             <a:endParaRPr lang="en-US"/>
           </a:p>
@@ -1332,7 +1332,7 @@
             <a:fld id="{7F4B0734-A6DD-4AB2-9AC3-E96A7B3E9E0B}" type="datetimeFigureOut">
               <a:rPr lang="en-US" smtClean="0"/>
               <a:pPr/>
-              <a:t>3/11/16</a:t>
+              <a:t>3/11/2016</a:t>
             </a:fld>
             <a:endParaRPr lang="en-US"/>
           </a:p>
@@ -1753,7 +1753,7 @@
             <a:fld id="{7F4B0734-A6DD-4AB2-9AC3-E96A7B3E9E0B}" type="datetimeFigureOut">
               <a:rPr lang="en-US" smtClean="0"/>
               <a:pPr/>
-              <a:t>3/11/16</a:t>
+              <a:t>3/11/2016</a:t>
             </a:fld>
             <a:endParaRPr lang="en-US"/>
           </a:p>
@@ -1867,7 +1867,7 @@
             <a:fld id="{7F4B0734-A6DD-4AB2-9AC3-E96A7B3E9E0B}" type="datetimeFigureOut">
               <a:rPr lang="en-US" smtClean="0"/>
               <a:pPr/>
-              <a:t>3/11/16</a:t>
+              <a:t>3/11/2016</a:t>
             </a:fld>
             <a:endParaRPr lang="en-US"/>
           </a:p>
@@ -1959,7 +1959,7 @@
             <a:fld id="{7F4B0734-A6DD-4AB2-9AC3-E96A7B3E9E0B}" type="datetimeFigureOut">
               <a:rPr lang="en-US" smtClean="0"/>
               <a:pPr/>
-              <a:t>3/11/16</a:t>
+              <a:t>3/11/2016</a:t>
             </a:fld>
             <a:endParaRPr lang="en-US"/>
           </a:p>
@@ -2231,7 +2231,7 @@
             <a:fld id="{7F4B0734-A6DD-4AB2-9AC3-E96A7B3E9E0B}" type="datetimeFigureOut">
               <a:rPr lang="en-US" smtClean="0"/>
               <a:pPr/>
-              <a:t>3/11/16</a:t>
+              <a:t>3/11/2016</a:t>
             </a:fld>
             <a:endParaRPr lang="en-US"/>
           </a:p>
@@ -2480,7 +2480,7 @@
             <a:fld id="{7F4B0734-A6DD-4AB2-9AC3-E96A7B3E9E0B}" type="datetimeFigureOut">
               <a:rPr lang="en-US" smtClean="0"/>
               <a:pPr/>
-              <a:t>3/11/16</a:t>
+              <a:t>3/11/2016</a:t>
             </a:fld>
             <a:endParaRPr lang="en-US"/>
           </a:p>
@@ -2688,7 +2688,7 @@
             <a:fld id="{7F4B0734-A6DD-4AB2-9AC3-E96A7B3E9E0B}" type="datetimeFigureOut">
               <a:rPr lang="en-US" smtClean="0"/>
               <a:pPr/>
-              <a:t>3/11/16</a:t>
+              <a:t>3/11/2016</a:t>
             </a:fld>
             <a:endParaRPr lang="en-US"/>
           </a:p>
@@ -4161,7 +4161,7 @@
                         <m:sSubPr>
                           <m:ctrlPr>
                             <a:rPr lang="en-US" sz="3200" b="0" i="1" smtClean="0">
-                              <a:latin typeface="Cambria Math" charset="0"/>
+                              <a:latin typeface="Cambria Math" panose="02040503050406030204" pitchFamily="18" charset="0"/>
                             </a:rPr>
                           </m:ctrlPr>
                         </m:sSubPr>
@@ -4192,7 +4192,7 @@
                         <m:fPr>
                           <m:ctrlPr>
                             <a:rPr lang="bg-BG" sz="3200" b="0" i="1" smtClean="0">
-                              <a:latin typeface="Cambria Math" charset="0"/>
+                              <a:latin typeface="Cambria Math" panose="02040503050406030204" pitchFamily="18" charset="0"/>
                             </a:rPr>
                           </m:ctrlPr>
                         </m:fPr>
@@ -4215,7 +4215,7 @@
                             <m:sSupPr>
                               <m:ctrlPr>
                                 <a:rPr lang="en-US" sz="3200" b="0" i="1" smtClean="0">
-                                  <a:latin typeface="Cambria Math" charset="0"/>
+                                  <a:latin typeface="Cambria Math" panose="02040503050406030204" pitchFamily="18" charset="0"/>
                                   <a:ea typeface="Cambria Math" charset="0"/>
                                   <a:cs typeface="Cambria Math" charset="0"/>
                                 </a:rPr>
@@ -4716,8 +4716,8 @@
         </p:nvSpPr>
         <p:spPr>
           <a:xfrm>
-            <a:off x="12453088" y="6353094"/>
-            <a:ext cx="23724706" cy="3539430"/>
+            <a:off x="22262185" y="6353094"/>
+            <a:ext cx="13915609" cy="3539430"/>
           </a:xfrm>
           <a:prstGeom prst="rect">
             <a:avLst/>
@@ -4736,23 +4736,23 @@
             </a:r>
             <a:r>
               <a:rPr lang="en-US" sz="3200" dirty="0" smtClean="0"/>
-              <a:t>BBB). Lack </a:t>
-            </a:r>
-            <a:r>
-              <a:rPr lang="en-US" sz="3200" dirty="0"/>
-              <a:t>of penetration within the brain parenchyma is the most cited reason for failure of clinical </a:t>
+              <a:t>BBB). </a:t>
             </a:r>
             <a:r>
               <a:rPr lang="en-US" sz="3200" dirty="0" smtClean="0"/>
-              <a:t>trials. There is great opportunity to bring </a:t>
-            </a:r>
-            <a:r>
-              <a:rPr lang="en-US" sz="3200" dirty="0" err="1" smtClean="0"/>
-              <a:t>nanotherapeutic</a:t>
+              <a:t>Nanotechnology-based </a:t>
             </a:r>
             <a:r>
               <a:rPr lang="en-US" sz="3200" dirty="0" smtClean="0"/>
-              <a:t> approaches to neurodevelopmental disorders, with results that can then be translated to adult neurological disorders.  Nanotechnology-based approaches provide potential platforms for site-specific, controlled release of therapeutics to central nervous system (CNS) diseases, which are both targeted to the regions of the brain that contain diseased cells, as well as to specific cell types within those regions.  Optimization of this nanotechnology’s CNS mobility can enable faster and more effective development of therapeutics for these disorders. A vital step towards finding effective therapeutics is understanding how nanoparticles move in the brain, and how the chemical properties of nanoparticles affect the effective diffusion.</a:t>
+              <a:t>approaches provide potential platforms for site-specific, controlled release of therapeutics to central nervous system (CNS) </a:t>
+            </a:r>
+            <a:r>
+              <a:rPr lang="en-US" sz="3200" dirty="0" smtClean="0"/>
+              <a:t>diseases.  Optimizing NPs capable of </a:t>
+            </a:r>
+            <a:r>
+              <a:rPr lang="en-US" sz="3200" dirty="0" smtClean="0"/>
+              <a:t>CNS mobility can enable faster and more effective development of therapeutics for these disorders. A vital step towards finding effective therapeutics is understanding how nanoparticles move in the brain, and how the chemical properties of nanoparticles affect the effective diffusion.</a:t>
             </a:r>
             <a:endParaRPr lang="en-US" sz="3200" dirty="0"/>
           </a:p>
@@ -4813,6 +4813,730 @@
           </a:p>
         </p:txBody>
       </p:sp>
+      <p:grpSp>
+        <p:nvGrpSpPr>
+          <p:cNvPr id="41" name="Group 40"/>
+          <p:cNvGrpSpPr/>
+          <p:nvPr/>
+        </p:nvGrpSpPr>
+        <p:grpSpPr>
+          <a:xfrm>
+            <a:off x="12900521" y="6189789"/>
+            <a:ext cx="9067800" cy="3671552"/>
+            <a:chOff x="76200" y="1140869"/>
+            <a:chExt cx="9067800" cy="3671552"/>
+          </a:xfrm>
+        </p:grpSpPr>
+        <p:sp>
+          <p:nvSpPr>
+            <p:cNvPr id="42" name="TextBox 41"/>
+            <p:cNvSpPr txBox="1"/>
+            <p:nvPr/>
+          </p:nvSpPr>
+          <p:spPr>
+            <a:xfrm>
+              <a:off x="381000" y="1140869"/>
+              <a:ext cx="2652952" cy="584775"/>
+            </a:xfrm>
+            <a:prstGeom prst="rect">
+              <a:avLst/>
+            </a:prstGeom>
+            <a:noFill/>
+          </p:spPr>
+          <p:txBody>
+            <a:bodyPr wrap="square" rtlCol="0">
+              <a:spAutoFit/>
+            </a:bodyPr>
+            <a:lstStyle/>
+            <a:p>
+              <a:r>
+                <a:rPr lang="en-US" sz="1600" b="0" dirty="0" smtClean="0">
+                  <a:latin typeface="Arial" pitchFamily="34" charset="0"/>
+                  <a:cs typeface="Arial" pitchFamily="34" charset="0"/>
+                </a:rPr>
+                <a:t>Overcome the blood-brain barrier</a:t>
+              </a:r>
+              <a:endParaRPr lang="en-US" sz="1600" b="0" dirty="0">
+                <a:latin typeface="Arial" pitchFamily="34" charset="0"/>
+                <a:cs typeface="Arial" pitchFamily="34" charset="0"/>
+              </a:endParaRPr>
+            </a:p>
+          </p:txBody>
+        </p:sp>
+        <p:grpSp>
+          <p:nvGrpSpPr>
+            <p:cNvPr id="45" name="Group 44"/>
+            <p:cNvGrpSpPr/>
+            <p:nvPr/>
+          </p:nvGrpSpPr>
+          <p:grpSpPr>
+            <a:xfrm>
+              <a:off x="76200" y="1671351"/>
+              <a:ext cx="2963995" cy="3130240"/>
+              <a:chOff x="76200" y="1671351"/>
+              <a:chExt cx="2846589" cy="3130240"/>
+            </a:xfrm>
+          </p:grpSpPr>
+          <p:pic>
+            <p:nvPicPr>
+              <p:cNvPr id="58" name="Picture 4" descr="http://2.bp.blogspot.com/-2OnvRMfYMPo/UQzG19-3N5I/AAAAAAAAQGo/AWT4aBxhhSk/s1600/Blood-Brain%2BBarrier.png"/>
+              <p:cNvPicPr>
+                <a:picLocks noChangeAspect="1" noChangeArrowheads="1"/>
+              </p:cNvPicPr>
+              <p:nvPr/>
+            </p:nvPicPr>
+            <p:blipFill rotWithShape="1">
+              <a:blip r:embed="rId14">
+                <a:extLst>
+                  <a:ext uri="{28A0092B-C50C-407E-A947-70E740481C1C}">
+                    <a14:useLocalDpi xmlns:a14="http://schemas.microsoft.com/office/drawing/2010/main" val="0"/>
+                  </a:ext>
+                </a:extLst>
+              </a:blip>
+              <a:srcRect l="14594" t="7010" r="36291"/>
+              <a:stretch/>
+            </p:blipFill>
+            <p:spPr bwMode="auto">
+              <a:xfrm>
+                <a:off x="76201" y="1671351"/>
+                <a:ext cx="2846588" cy="3129249"/>
+              </a:xfrm>
+              <a:prstGeom prst="rect">
+                <a:avLst/>
+              </a:prstGeom>
+              <a:noFill/>
+              <a:ln>
+                <a:solidFill>
+                  <a:srgbClr val="1C0153"/>
+                </a:solidFill>
+              </a:ln>
+              <a:extLst>
+                <a:ext uri="{909E8E84-426E-40DD-AFC4-6F175D3DCCD1}">
+                  <a14:hiddenFill xmlns:a14="http://schemas.microsoft.com/office/drawing/2010/main">
+                    <a:solidFill>
+                      <a:srgbClr val="FFFFFF"/>
+                    </a:solidFill>
+                  </a14:hiddenFill>
+                </a:ext>
+              </a:extLst>
+            </p:spPr>
+          </p:pic>
+          <p:sp>
+            <p:nvSpPr>
+              <p:cNvPr id="59" name="Rectangle 58"/>
+              <p:cNvSpPr/>
+              <p:nvPr/>
+            </p:nvSpPr>
+            <p:spPr bwMode="auto">
+              <a:xfrm>
+                <a:off x="76200" y="1672341"/>
+                <a:ext cx="2840593" cy="3129250"/>
+              </a:xfrm>
+              <a:prstGeom prst="rect">
+                <a:avLst/>
+              </a:prstGeom>
+              <a:noFill/>
+              <a:ln w="19050" cap="flat" cmpd="sng" algn="ctr">
+                <a:solidFill>
+                  <a:srgbClr val="1C0153"/>
+                </a:solidFill>
+                <a:prstDash val="solid"/>
+                <a:round/>
+                <a:headEnd type="none" w="med" len="med"/>
+                <a:tailEnd type="none" w="med" len="med"/>
+              </a:ln>
+              <a:effectLst/>
+            </p:spPr>
+            <p:txBody>
+              <a:bodyPr vert="horz" wrap="square" lIns="91440" tIns="45720" rIns="91440" bIns="45720" numCol="1" rtlCol="0" anchor="t" anchorCtr="0" compatLnSpc="1">
+                <a:prstTxWarp prst="textNoShape">
+                  <a:avLst/>
+                </a:prstTxWarp>
+              </a:bodyPr>
+              <a:lstStyle/>
+              <a:p>
+                <a:pPr marL="0" marR="0" indent="0" algn="l" defTabSz="457200" rtl="0" eaLnBrk="0" fontAlgn="base" latinLnBrk="0" hangingPunct="0">
+                  <a:lnSpc>
+                    <a:spcPct val="100000"/>
+                  </a:lnSpc>
+                  <a:spcBef>
+                    <a:spcPct val="0"/>
+                  </a:spcBef>
+                  <a:spcAft>
+                    <a:spcPct val="0"/>
+                  </a:spcAft>
+                  <a:buClr>
+                    <a:srgbClr val="000000"/>
+                  </a:buClr>
+                  <a:buSzPct val="100000"/>
+                  <a:buFont typeface="Times New Roman" pitchFamily="16" charset="0"/>
+                  <a:buNone/>
+                  <a:tabLst/>
+                </a:pPr>
+                <a:endParaRPr kumimoji="0" lang="en-US" sz="1200" b="0" i="0" u="none" strike="noStrike" cap="none" normalizeH="0" baseline="0" smtClean="0">
+                  <a:ln>
+                    <a:noFill/>
+                  </a:ln>
+                  <a:effectLst/>
+                  <a:latin typeface="Arial" pitchFamily="34" charset="0"/>
+                  <a:cs typeface="Arial" pitchFamily="34" charset="0"/>
+                </a:endParaRPr>
+              </a:p>
+            </p:txBody>
+          </p:sp>
+        </p:grpSp>
+        <p:grpSp>
+          <p:nvGrpSpPr>
+            <p:cNvPr id="46" name="Group 45"/>
+            <p:cNvGrpSpPr/>
+            <p:nvPr/>
+          </p:nvGrpSpPr>
+          <p:grpSpPr>
+            <a:xfrm>
+              <a:off x="3063609" y="1140869"/>
+              <a:ext cx="6080391" cy="3671552"/>
+              <a:chOff x="3063609" y="1140869"/>
+              <a:chExt cx="6080391" cy="3671552"/>
+            </a:xfrm>
+          </p:grpSpPr>
+          <p:sp>
+            <p:nvSpPr>
+              <p:cNvPr id="48" name="TextBox 47"/>
+              <p:cNvSpPr txBox="1"/>
+              <p:nvPr/>
+            </p:nvSpPr>
+            <p:spPr>
+              <a:xfrm>
+                <a:off x="3352800" y="1140869"/>
+                <a:ext cx="2743200" cy="584775"/>
+              </a:xfrm>
+              <a:prstGeom prst="rect">
+                <a:avLst/>
+              </a:prstGeom>
+              <a:noFill/>
+            </p:spPr>
+            <p:txBody>
+              <a:bodyPr wrap="square" rtlCol="0">
+                <a:spAutoFit/>
+              </a:bodyPr>
+              <a:lstStyle/>
+              <a:p>
+                <a:r>
+                  <a:rPr lang="en-US" sz="1600" b="0" dirty="0" smtClean="0">
+                    <a:latin typeface="Arial" pitchFamily="34" charset="0"/>
+                    <a:cs typeface="Arial" pitchFamily="34" charset="0"/>
+                  </a:rPr>
+                  <a:t>Move within diseased brain tissue parenchyma</a:t>
+                </a:r>
+                <a:endParaRPr lang="en-US" sz="1600" b="0" dirty="0">
+                  <a:latin typeface="Arial" pitchFamily="34" charset="0"/>
+                  <a:cs typeface="Arial" pitchFamily="34" charset="0"/>
+                </a:endParaRPr>
+              </a:p>
+            </p:txBody>
+          </p:sp>
+          <p:sp>
+            <p:nvSpPr>
+              <p:cNvPr id="49" name="Oval 48"/>
+              <p:cNvSpPr/>
+              <p:nvPr/>
+            </p:nvSpPr>
+            <p:spPr bwMode="auto">
+              <a:xfrm>
+                <a:off x="6111609" y="1180806"/>
+                <a:ext cx="289191" cy="343194"/>
+              </a:xfrm>
+              <a:prstGeom prst="ellipse">
+                <a:avLst/>
+              </a:prstGeom>
+              <a:solidFill>
+                <a:schemeClr val="bg2">
+                  <a:lumMod val="60000"/>
+                  <a:lumOff val="40000"/>
+                </a:schemeClr>
+              </a:solidFill>
+              <a:ln w="9525" cap="flat" cmpd="sng" algn="ctr">
+                <a:solidFill>
+                  <a:schemeClr val="tx1"/>
+                </a:solidFill>
+                <a:prstDash val="solid"/>
+                <a:round/>
+                <a:headEnd type="none" w="med" len="med"/>
+                <a:tailEnd type="none" w="med" len="med"/>
+              </a:ln>
+              <a:effectLst/>
+            </p:spPr>
+            <p:txBody>
+              <a:bodyPr vert="horz" wrap="square" lIns="91440" tIns="45720" rIns="91440" bIns="45720" numCol="1" rtlCol="0" anchor="ctr" anchorCtr="0" compatLnSpc="1">
+                <a:prstTxWarp prst="textNoShape">
+                  <a:avLst/>
+                </a:prstTxWarp>
+              </a:bodyPr>
+              <a:lstStyle/>
+              <a:p>
+                <a:pPr marL="0" marR="0" indent="0" algn="ctr" defTabSz="457200" rtl="0" eaLnBrk="0" fontAlgn="base" latinLnBrk="0" hangingPunct="0">
+                  <a:lnSpc>
+                    <a:spcPct val="100000"/>
+                  </a:lnSpc>
+                  <a:spcBef>
+                    <a:spcPct val="0"/>
+                  </a:spcBef>
+                  <a:spcAft>
+                    <a:spcPct val="0"/>
+                  </a:spcAft>
+                  <a:buClr>
+                    <a:srgbClr val="000000"/>
+                  </a:buClr>
+                  <a:buSzPct val="100000"/>
+                  <a:buFont typeface="Times New Roman" pitchFamily="16" charset="0"/>
+                  <a:buNone/>
+                  <a:tabLst/>
+                </a:pPr>
+                <a:r>
+                  <a:rPr kumimoji="0" lang="en-US" sz="1400" b="0" i="0" u="none" strike="noStrike" cap="none" normalizeH="0" baseline="0" dirty="0" smtClean="0">
+                    <a:ln>
+                      <a:noFill/>
+                    </a:ln>
+                    <a:effectLst/>
+                    <a:latin typeface="Arial" pitchFamily="34" charset="0"/>
+                    <a:cs typeface="Arial" pitchFamily="34" charset="0"/>
+                  </a:rPr>
+                  <a:t>3</a:t>
+                </a:r>
+              </a:p>
+            </p:txBody>
+          </p:sp>
+          <p:sp>
+            <p:nvSpPr>
+              <p:cNvPr id="50" name="TextBox 49"/>
+              <p:cNvSpPr txBox="1"/>
+              <p:nvPr/>
+            </p:nvSpPr>
+            <p:spPr>
+              <a:xfrm>
+                <a:off x="6423975" y="1140869"/>
+                <a:ext cx="2720025" cy="584775"/>
+              </a:xfrm>
+              <a:prstGeom prst="rect">
+                <a:avLst/>
+              </a:prstGeom>
+              <a:noFill/>
+            </p:spPr>
+            <p:txBody>
+              <a:bodyPr wrap="square" rtlCol="0">
+                <a:spAutoFit/>
+              </a:bodyPr>
+              <a:lstStyle/>
+              <a:p>
+                <a:r>
+                  <a:rPr lang="en-US" sz="1600" b="0" dirty="0" smtClean="0">
+                    <a:latin typeface="Arial" pitchFamily="34" charset="0"/>
+                    <a:cs typeface="Arial" pitchFamily="34" charset="0"/>
+                  </a:rPr>
+                  <a:t>Uptake into specific disease associated cells</a:t>
+                </a:r>
+                <a:endParaRPr lang="en-US" sz="1600" b="0" dirty="0">
+                  <a:latin typeface="Arial" pitchFamily="34" charset="0"/>
+                  <a:cs typeface="Arial" pitchFamily="34" charset="0"/>
+                </a:endParaRPr>
+              </a:p>
+            </p:txBody>
+          </p:sp>
+          <p:sp>
+            <p:nvSpPr>
+              <p:cNvPr id="51" name="Oval 50"/>
+              <p:cNvSpPr/>
+              <p:nvPr/>
+            </p:nvSpPr>
+            <p:spPr bwMode="auto">
+              <a:xfrm>
+                <a:off x="3063609" y="1180806"/>
+                <a:ext cx="289191" cy="343194"/>
+              </a:xfrm>
+              <a:prstGeom prst="ellipse">
+                <a:avLst/>
+              </a:prstGeom>
+              <a:solidFill>
+                <a:schemeClr val="bg2">
+                  <a:lumMod val="60000"/>
+                  <a:lumOff val="40000"/>
+                </a:schemeClr>
+              </a:solidFill>
+              <a:ln w="9525" cap="flat" cmpd="sng" algn="ctr">
+                <a:solidFill>
+                  <a:schemeClr val="tx1"/>
+                </a:solidFill>
+                <a:prstDash val="solid"/>
+                <a:round/>
+                <a:headEnd type="none" w="med" len="med"/>
+                <a:tailEnd type="none" w="med" len="med"/>
+              </a:ln>
+              <a:effectLst/>
+            </p:spPr>
+            <p:txBody>
+              <a:bodyPr vert="horz" wrap="square" lIns="91440" tIns="45720" rIns="91440" bIns="45720" numCol="1" rtlCol="0" anchor="ctr" anchorCtr="0" compatLnSpc="1">
+                <a:prstTxWarp prst="textNoShape">
+                  <a:avLst/>
+                </a:prstTxWarp>
+              </a:bodyPr>
+              <a:lstStyle/>
+              <a:p>
+                <a:pPr marL="0" marR="0" indent="0" algn="ctr" defTabSz="457200" rtl="0" eaLnBrk="0" fontAlgn="base" latinLnBrk="0" hangingPunct="0">
+                  <a:lnSpc>
+                    <a:spcPct val="100000"/>
+                  </a:lnSpc>
+                  <a:spcBef>
+                    <a:spcPct val="0"/>
+                  </a:spcBef>
+                  <a:spcAft>
+                    <a:spcPct val="0"/>
+                  </a:spcAft>
+                  <a:buClr>
+                    <a:srgbClr val="000000"/>
+                  </a:buClr>
+                  <a:buSzPct val="100000"/>
+                  <a:buFont typeface="Times New Roman" pitchFamily="16" charset="0"/>
+                  <a:buNone/>
+                  <a:tabLst/>
+                </a:pPr>
+                <a:r>
+                  <a:rPr kumimoji="0" lang="en-US" sz="1400" b="0" i="0" u="none" strike="noStrike" cap="none" normalizeH="0" baseline="0" dirty="0" smtClean="0">
+                    <a:ln>
+                      <a:noFill/>
+                    </a:ln>
+                    <a:effectLst/>
+                    <a:latin typeface="Arial" pitchFamily="34" charset="0"/>
+                    <a:cs typeface="Arial" pitchFamily="34" charset="0"/>
+                  </a:rPr>
+                  <a:t>2</a:t>
+                </a:r>
+              </a:p>
+            </p:txBody>
+          </p:sp>
+          <p:grpSp>
+            <p:nvGrpSpPr>
+              <p:cNvPr id="52" name="Group 51"/>
+              <p:cNvGrpSpPr/>
+              <p:nvPr/>
+            </p:nvGrpSpPr>
+            <p:grpSpPr>
+              <a:xfrm>
+                <a:off x="3137655" y="1682308"/>
+                <a:ext cx="2932402" cy="3130113"/>
+                <a:chOff x="2971800" y="1659102"/>
+                <a:chExt cx="2971446" cy="2989099"/>
+              </a:xfrm>
+            </p:grpSpPr>
+            <p:pic>
+              <p:nvPicPr>
+                <p:cNvPr id="56" name="Picture 2"/>
+                <p:cNvPicPr>
+                  <a:picLocks noChangeAspect="1" noChangeArrowheads="1"/>
+                </p:cNvPicPr>
+                <p:nvPr/>
+              </p:nvPicPr>
+              <p:blipFill>
+                <a:blip r:embed="rId15">
+                  <a:extLst>
+                    <a:ext uri="{28A0092B-C50C-407E-A947-70E740481C1C}">
+                      <a14:useLocalDpi xmlns:a14="http://schemas.microsoft.com/office/drawing/2010/main" val="0"/>
+                    </a:ext>
+                  </a:extLst>
+                </a:blip>
+                <a:srcRect/>
+                <a:stretch>
+                  <a:fillRect/>
+                </a:stretch>
+              </p:blipFill>
+              <p:spPr bwMode="auto">
+                <a:xfrm>
+                  <a:off x="2971800" y="1659102"/>
+                  <a:ext cx="2971446" cy="2989098"/>
+                </a:xfrm>
+                <a:prstGeom prst="rect">
+                  <a:avLst/>
+                </a:prstGeom>
+                <a:noFill/>
+                <a:ln w="9525">
+                  <a:solidFill>
+                    <a:schemeClr val="tx1"/>
+                  </a:solidFill>
+                  <a:miter lim="800000"/>
+                  <a:headEnd/>
+                  <a:tailEnd/>
+                </a:ln>
+                <a:extLst>
+                  <a:ext uri="{909E8E84-426E-40DD-AFC4-6F175D3DCCD1}">
+                    <a14:hiddenFill xmlns:a14="http://schemas.microsoft.com/office/drawing/2010/main">
+                      <a:solidFill>
+                        <a:schemeClr val="accent1"/>
+                      </a:solidFill>
+                    </a14:hiddenFill>
+                  </a:ext>
+                </a:extLst>
+              </p:spPr>
+            </p:pic>
+            <p:sp>
+              <p:nvSpPr>
+                <p:cNvPr id="57" name="Rectangle 56"/>
+                <p:cNvSpPr/>
+                <p:nvPr/>
+              </p:nvSpPr>
+              <p:spPr bwMode="auto">
+                <a:xfrm>
+                  <a:off x="2971800" y="1664828"/>
+                  <a:ext cx="2971446" cy="2983373"/>
+                </a:xfrm>
+                <a:prstGeom prst="rect">
+                  <a:avLst/>
+                </a:prstGeom>
+                <a:noFill/>
+                <a:ln w="19050" cap="flat" cmpd="sng" algn="ctr">
+                  <a:solidFill>
+                    <a:srgbClr val="1C0153"/>
+                  </a:solidFill>
+                  <a:prstDash val="solid"/>
+                  <a:round/>
+                  <a:headEnd type="none" w="med" len="med"/>
+                  <a:tailEnd type="none" w="med" len="med"/>
+                </a:ln>
+                <a:effectLst/>
+              </p:spPr>
+              <p:txBody>
+                <a:bodyPr vert="horz" wrap="square" lIns="91440" tIns="45720" rIns="91440" bIns="45720" numCol="1" rtlCol="0" anchor="t" anchorCtr="0" compatLnSpc="1">
+                  <a:prstTxWarp prst="textNoShape">
+                    <a:avLst/>
+                  </a:prstTxWarp>
+                </a:bodyPr>
+                <a:lstStyle/>
+                <a:p>
+                  <a:pPr marL="0" marR="0" indent="0" algn="l" defTabSz="457200" rtl="0" eaLnBrk="0" fontAlgn="base" latinLnBrk="0" hangingPunct="0">
+                    <a:lnSpc>
+                      <a:spcPct val="100000"/>
+                    </a:lnSpc>
+                    <a:spcBef>
+                      <a:spcPct val="0"/>
+                    </a:spcBef>
+                    <a:spcAft>
+                      <a:spcPct val="0"/>
+                    </a:spcAft>
+                    <a:buClr>
+                      <a:srgbClr val="000000"/>
+                    </a:buClr>
+                    <a:buSzPct val="100000"/>
+                    <a:buFont typeface="Times New Roman" pitchFamily="16" charset="0"/>
+                    <a:buNone/>
+                    <a:tabLst/>
+                  </a:pPr>
+                  <a:endParaRPr kumimoji="0" lang="en-US" sz="1200" b="0" i="0" u="none" strike="noStrike" cap="none" normalizeH="0" baseline="0" smtClean="0">
+                    <a:ln>
+                      <a:noFill/>
+                    </a:ln>
+                    <a:effectLst/>
+                    <a:latin typeface="Arial" pitchFamily="34" charset="0"/>
+                    <a:cs typeface="Arial" pitchFamily="34" charset="0"/>
+                  </a:endParaRPr>
+                </a:p>
+              </p:txBody>
+            </p:sp>
+          </p:grpSp>
+          <p:grpSp>
+            <p:nvGrpSpPr>
+              <p:cNvPr id="53" name="Group 52"/>
+              <p:cNvGrpSpPr/>
+              <p:nvPr/>
+            </p:nvGrpSpPr>
+            <p:grpSpPr>
+              <a:xfrm>
+                <a:off x="6180003" y="1671352"/>
+                <a:ext cx="2866410" cy="3141069"/>
+                <a:chOff x="6151007" y="1650828"/>
+                <a:chExt cx="2840593" cy="3136020"/>
+              </a:xfrm>
+            </p:grpSpPr>
+            <p:pic>
+              <p:nvPicPr>
+                <p:cNvPr id="54" name="Picture 6" descr="A mitochondrion"/>
+                <p:cNvPicPr>
+                  <a:picLocks noChangeAspect="1" noChangeArrowheads="1"/>
+                </p:cNvPicPr>
+                <p:nvPr/>
+              </p:nvPicPr>
+              <p:blipFill>
+                <a:blip r:embed="rId16">
+                  <a:extLst>
+                    <a:ext uri="{28A0092B-C50C-407E-A947-70E740481C1C}">
+                      <a14:useLocalDpi xmlns:a14="http://schemas.microsoft.com/office/drawing/2010/main" val="0"/>
+                    </a:ext>
+                  </a:extLst>
+                </a:blip>
+                <a:srcRect/>
+                <a:stretch>
+                  <a:fillRect/>
+                </a:stretch>
+              </p:blipFill>
+              <p:spPr bwMode="auto">
+                <a:xfrm>
+                  <a:off x="6172200" y="1661767"/>
+                  <a:ext cx="2819399" cy="3125081"/>
+                </a:xfrm>
+                <a:prstGeom prst="rect">
+                  <a:avLst/>
+                </a:prstGeom>
+                <a:noFill/>
+                <a:ln>
+                  <a:solidFill>
+                    <a:srgbClr val="1C0153"/>
+                  </a:solidFill>
+                </a:ln>
+                <a:extLst>
+                  <a:ext uri="{909E8E84-426E-40DD-AFC4-6F175D3DCCD1}">
+                    <a14:hiddenFill xmlns:a14="http://schemas.microsoft.com/office/drawing/2010/main">
+                      <a:solidFill>
+                        <a:srgbClr val="FFFFFF"/>
+                      </a:solidFill>
+                    </a14:hiddenFill>
+                  </a:ext>
+                </a:extLst>
+              </p:spPr>
+            </p:pic>
+            <p:sp>
+              <p:nvSpPr>
+                <p:cNvPr id="55" name="Rectangle 54"/>
+                <p:cNvSpPr/>
+                <p:nvPr/>
+              </p:nvSpPr>
+              <p:spPr bwMode="auto">
+                <a:xfrm>
+                  <a:off x="6151007" y="1650828"/>
+                  <a:ext cx="2840593" cy="3129250"/>
+                </a:xfrm>
+                <a:prstGeom prst="rect">
+                  <a:avLst/>
+                </a:prstGeom>
+                <a:noFill/>
+                <a:ln w="19050" cap="flat" cmpd="sng" algn="ctr">
+                  <a:solidFill>
+                    <a:srgbClr val="1C0153"/>
+                  </a:solidFill>
+                  <a:prstDash val="solid"/>
+                  <a:round/>
+                  <a:headEnd type="none" w="med" len="med"/>
+                  <a:tailEnd type="none" w="med" len="med"/>
+                </a:ln>
+                <a:effectLst/>
+              </p:spPr>
+              <p:txBody>
+                <a:bodyPr vert="horz" wrap="square" lIns="91440" tIns="45720" rIns="91440" bIns="45720" numCol="1" rtlCol="0" anchor="t" anchorCtr="0" compatLnSpc="1">
+                  <a:prstTxWarp prst="textNoShape">
+                    <a:avLst/>
+                  </a:prstTxWarp>
+                </a:bodyPr>
+                <a:lstStyle/>
+                <a:p>
+                  <a:pPr marL="0" marR="0" indent="0" algn="l" defTabSz="457200" rtl="0" eaLnBrk="0" fontAlgn="base" latinLnBrk="0" hangingPunct="0">
+                    <a:lnSpc>
+                      <a:spcPct val="100000"/>
+                    </a:lnSpc>
+                    <a:spcBef>
+                      <a:spcPct val="0"/>
+                    </a:spcBef>
+                    <a:spcAft>
+                      <a:spcPct val="0"/>
+                    </a:spcAft>
+                    <a:buClr>
+                      <a:srgbClr val="000000"/>
+                    </a:buClr>
+                    <a:buSzPct val="100000"/>
+                    <a:buFont typeface="Times New Roman" pitchFamily="16" charset="0"/>
+                    <a:buNone/>
+                    <a:tabLst/>
+                  </a:pPr>
+                  <a:endParaRPr kumimoji="0" lang="en-US" sz="1200" b="0" i="0" u="none" strike="noStrike" cap="none" normalizeH="0" baseline="0" smtClean="0">
+                    <a:ln>
+                      <a:noFill/>
+                    </a:ln>
+                    <a:effectLst/>
+                    <a:latin typeface="Arial" pitchFamily="34" charset="0"/>
+                    <a:cs typeface="Arial" pitchFamily="34" charset="0"/>
+                  </a:endParaRPr>
+                </a:p>
+              </p:txBody>
+            </p:sp>
+          </p:grpSp>
+        </p:grpSp>
+        <p:sp>
+          <p:nvSpPr>
+            <p:cNvPr id="47" name="Oval 46"/>
+            <p:cNvSpPr/>
+            <p:nvPr/>
+          </p:nvSpPr>
+          <p:spPr bwMode="auto">
+            <a:xfrm>
+              <a:off x="91809" y="1180806"/>
+              <a:ext cx="289191" cy="343194"/>
+            </a:xfrm>
+            <a:prstGeom prst="ellipse">
+              <a:avLst/>
+            </a:prstGeom>
+            <a:solidFill>
+              <a:schemeClr val="bg2">
+                <a:lumMod val="60000"/>
+                <a:lumOff val="40000"/>
+              </a:schemeClr>
+            </a:solidFill>
+            <a:ln w="9525" cap="flat" cmpd="sng" algn="ctr">
+              <a:solidFill>
+                <a:schemeClr val="tx1"/>
+              </a:solidFill>
+              <a:prstDash val="solid"/>
+              <a:round/>
+              <a:headEnd type="none" w="med" len="med"/>
+              <a:tailEnd type="none" w="med" len="med"/>
+            </a:ln>
+            <a:effectLst/>
+          </p:spPr>
+          <p:txBody>
+            <a:bodyPr vert="horz" wrap="square" lIns="91440" tIns="45720" rIns="91440" bIns="45720" numCol="1" rtlCol="0" anchor="ctr" anchorCtr="0" compatLnSpc="1">
+              <a:prstTxWarp prst="textNoShape">
+                <a:avLst/>
+              </a:prstTxWarp>
+            </a:bodyPr>
+            <a:lstStyle/>
+            <a:p>
+              <a:pPr marL="0" marR="0" indent="0" algn="ctr" defTabSz="457200" rtl="0" eaLnBrk="0" fontAlgn="base" latinLnBrk="0" hangingPunct="0">
+                <a:lnSpc>
+                  <a:spcPct val="100000"/>
+                </a:lnSpc>
+                <a:spcBef>
+                  <a:spcPct val="0"/>
+                </a:spcBef>
+                <a:spcAft>
+                  <a:spcPct val="0"/>
+                </a:spcAft>
+                <a:buClr>
+                  <a:srgbClr val="000000"/>
+                </a:buClr>
+                <a:buSzPct val="100000"/>
+                <a:buFont typeface="Times New Roman" pitchFamily="16" charset="0"/>
+                <a:buNone/>
+                <a:tabLst/>
+              </a:pPr>
+              <a:r>
+                <a:rPr kumimoji="0" lang="en-US" sz="1400" b="0" i="0" u="none" strike="noStrike" cap="none" normalizeH="0" baseline="0" dirty="0" smtClean="0">
+                  <a:ln>
+                    <a:noFill/>
+                  </a:ln>
+                  <a:effectLst/>
+                  <a:latin typeface="Arial" pitchFamily="34" charset="0"/>
+                  <a:cs typeface="Arial" pitchFamily="34" charset="0"/>
+                </a:rPr>
+                <a:t>1</a:t>
+              </a:r>
+            </a:p>
+          </p:txBody>
+        </p:sp>
+      </p:grpSp>
     </p:spTree>
   </p:cSld>
   <p:clrMapOvr>
